--- a/examples/manual.pptx
+++ b/examples/manual.pptx
@@ -3583,7 +3583,7 @@
                 <a:ea typeface="Heiti SC Medium" pitchFamily="2" charset="-128"/>
                 <a:cs typeface="Courier New" panose="02070309020205020404" pitchFamily="49" charset="0"/>
               </a:rPr>
-              <a:t>1.12.2023</a:t>
+              <a:t>1.12.23</a:t>
             </a:r>
           </a:p>
         </p:txBody>
@@ -4309,7 +4309,7 @@
         <p:spPr>
           <a:xfrm>
             <a:off x="283029" y="261258"/>
-            <a:ext cx="6186309" cy="830997"/>
+            <a:ext cx="8927444" cy="830997"/>
           </a:xfrm>
           <a:prstGeom prst="rect">
             <a:avLst/>
@@ -4331,7 +4331,7 @@
                 <a:ea typeface="Heiti SC Medium" pitchFamily="2" charset="-128"/>
                 <a:cs typeface="Rockwell Nova" panose="020F0502020204030204" pitchFamily="34" charset="0"/>
               </a:rPr>
-              <a:t>Search of copies in the Genome</a:t>
+              <a:t>Search of copies of sequences in the Genomes</a:t>
             </a:r>
           </a:p>
           <a:p>

--- a/examples/manual.pptx
+++ b/examples/manual.pptx
@@ -3373,8 +3373,8 @@
         </p:nvSpPr>
         <p:spPr>
           <a:xfrm>
-            <a:off x="4849503" y="3058886"/>
-            <a:ext cx="2492990" cy="1631216"/>
+            <a:off x="4753321" y="3058886"/>
+            <a:ext cx="2685351" cy="1631216"/>
           </a:xfrm>
           <a:prstGeom prst="rect">
             <a:avLst/>
@@ -3396,7 +3396,29 @@
                 <a:ea typeface="Heiti SC Medium" pitchFamily="2" charset="-128"/>
                 <a:cs typeface="Courier New" panose="02070309020205020404" pitchFamily="49" charset="0"/>
               </a:rPr>
-              <a:t>pan--g</a:t>
+              <a:t>pan</a:t>
+            </a:r>
+            <a:r>
+              <a:rPr lang="ru-RU" sz="2500" b="1" dirty="0">
+                <a:solidFill>
+                  <a:srgbClr val="21925C"/>
+                </a:solidFill>
+                <a:latin typeface="Courier New" panose="02070309020205020404" pitchFamily="49" charset="0"/>
+                <a:ea typeface="Heiti SC Medium" pitchFamily="2" charset="-128"/>
+                <a:cs typeface="Courier New" panose="02070309020205020404" pitchFamily="49" charset="0"/>
+              </a:rPr>
+              <a:t>--</a:t>
+            </a:r>
+            <a:r>
+              <a:rPr lang="en-US" sz="2500" b="1" dirty="0">
+                <a:solidFill>
+                  <a:srgbClr val="21925C"/>
+                </a:solidFill>
+                <a:latin typeface="Courier New" panose="02070309020205020404" pitchFamily="49" charset="0"/>
+                <a:ea typeface="Heiti SC Medium" pitchFamily="2" charset="-128"/>
+                <a:cs typeface="Courier New" panose="02070309020205020404" pitchFamily="49" charset="0"/>
+              </a:rPr>
+              <a:t>g</a:t>
             </a:r>
             <a:r>
               <a:rPr lang="en-US" sz="2500" b="1" dirty="0">
@@ -3409,18 +3431,21 @@
               </a:rPr>
               <a:t>enome</a:t>
             </a:r>
-            <a:endParaRPr lang="en-US" sz="2500" b="1" dirty="0">
-              <a:solidFill>
-                <a:srgbClr val="21925C"/>
-              </a:solidFill>
-              <a:latin typeface="Courier New" panose="02070309020205020404" pitchFamily="49" charset="0"/>
-              <a:ea typeface="Heiti SC Medium" pitchFamily="2" charset="-128"/>
-              <a:cs typeface="Courier New" panose="02070309020205020404" pitchFamily="49" charset="0"/>
-            </a:endParaRPr>
-          </a:p>
-          <a:p>
-            <a:r>
-              <a:rPr lang="en-US" sz="2500" b="1" dirty="0">
+          </a:p>
+          <a:p>
+            <a:r>
+              <a:rPr lang="en-US" sz="2500" b="1">
+                <a:solidFill>
+                  <a:srgbClr val="CDE4D6"/>
+                </a:solidFill>
+                <a:latin typeface="Courier New" panose="02070309020205020404" pitchFamily="49" charset="0"/>
+                <a:ea typeface="Heiti SC Medium" pitchFamily="2" charset="-128"/>
+                <a:cs typeface="Courier New" panose="02070309020205020404" pitchFamily="49" charset="0"/>
+              </a:rPr>
+              <a:t> </a:t>
+            </a:r>
+            <a:r>
+              <a:rPr lang="en-US" sz="2500" b="1">
                 <a:solidFill>
                   <a:srgbClr val="21925C"/>
                 </a:solidFill>
@@ -3428,10 +3453,10 @@
                 <a:ea typeface="Heiti SC Medium" pitchFamily="2" charset="-128"/>
                 <a:cs typeface="Courier New" panose="02070309020205020404" pitchFamily="49" charset="0"/>
               </a:rPr>
-              <a:t> ann</a:t>
-            </a:r>
-            <a:r>
-              <a:rPr lang="en-US" sz="2500" b="1" dirty="0">
+              <a:t>ann</a:t>
+            </a:r>
+            <a:r>
+              <a:rPr lang="en-US" sz="2500" b="1">
                 <a:solidFill>
                   <a:srgbClr val="CDE4D6"/>
                 </a:solidFill>
@@ -3439,8 +3464,16 @@
                 <a:ea typeface="Heiti SC Medium" pitchFamily="2" charset="-128"/>
                 <a:cs typeface="Courier New" panose="02070309020205020404" pitchFamily="49" charset="0"/>
               </a:rPr>
-              <a:t>otation,</a:t>
-            </a:r>
+              <a:t>otations</a:t>
+            </a:r>
+            <a:endParaRPr lang="en-US" sz="2500" b="1" dirty="0">
+              <a:solidFill>
+                <a:srgbClr val="CDE4D6"/>
+              </a:solidFill>
+              <a:latin typeface="Courier New" panose="02070309020205020404" pitchFamily="49" charset="0"/>
+              <a:ea typeface="Heiti SC Medium" pitchFamily="2" charset="-128"/>
+              <a:cs typeface="Courier New" panose="02070309020205020404" pitchFamily="49" charset="0"/>
+            </a:endParaRPr>
           </a:p>
           <a:p>
             <a:r>
@@ -3485,7 +3518,7 @@
                 <a:ea typeface="Heiti SC Medium" pitchFamily="2" charset="-128"/>
                 <a:cs typeface="Courier New" panose="02070309020205020404" pitchFamily="49" charset="0"/>
               </a:rPr>
-              <a:t> &amp;</a:t>
+              <a:t> &amp; </a:t>
             </a:r>
           </a:p>
           <a:p>
@@ -3498,10 +3531,21 @@
                 <a:ea typeface="Heiti SC Medium" pitchFamily="2" charset="-128"/>
                 <a:cs typeface="Courier New" panose="02070309020205020404" pitchFamily="49" charset="0"/>
               </a:rPr>
-              <a:t>  dia</a:t>
-            </a:r>
-            <a:r>
-              <a:rPr lang="en-US" sz="2500" b="1" dirty="0">
+              <a:t> </a:t>
+            </a:r>
+            <a:r>
+              <a:rPr lang="en-US" sz="2500" b="1" dirty="0" err="1">
+                <a:solidFill>
+                  <a:srgbClr val="CDE4D6"/>
+                </a:solidFill>
+                <a:latin typeface="Courier New" panose="02070309020205020404" pitchFamily="49" charset="0"/>
+                <a:ea typeface="Heiti SC Medium" pitchFamily="2" charset="-128"/>
+                <a:cs typeface="Courier New" panose="02070309020205020404" pitchFamily="49" charset="0"/>
+              </a:rPr>
+              <a:t>dia</a:t>
+            </a:r>
+            <a:r>
+              <a:rPr lang="en-US" sz="2500" b="1" dirty="0" err="1">
                 <a:solidFill>
                   <a:srgbClr val="21925C"/>
                 </a:solidFill>
@@ -3509,10 +3553,10 @@
                 <a:ea typeface="Heiti SC Medium" pitchFamily="2" charset="-128"/>
                 <a:cs typeface="Courier New" panose="02070309020205020404" pitchFamily="49" charset="0"/>
               </a:rPr>
-              <a:t>gram</a:t>
-            </a:r>
-            <a:r>
-              <a:rPr lang="en-US" sz="2500" b="1" dirty="0">
+              <a:t>agram</a:t>
+            </a:r>
+            <a:r>
+              <a:rPr lang="en-US" sz="2500" b="1" dirty="0" err="1">
                 <a:solidFill>
                   <a:srgbClr val="CDE4D6"/>
                 </a:solidFill>

--- a/examples/manual.pptx
+++ b/examples/manual.pptx
@@ -3396,29 +3396,7 @@
                 <a:ea typeface="Heiti SC Medium" pitchFamily="2" charset="-128"/>
                 <a:cs typeface="Courier New" panose="02070309020205020404" pitchFamily="49" charset="0"/>
               </a:rPr>
-              <a:t>pan</a:t>
-            </a:r>
-            <a:r>
-              <a:rPr lang="ru-RU" sz="2500" b="1" dirty="0">
-                <a:solidFill>
-                  <a:srgbClr val="21925C"/>
-                </a:solidFill>
-                <a:latin typeface="Courier New" panose="02070309020205020404" pitchFamily="49" charset="0"/>
-                <a:ea typeface="Heiti SC Medium" pitchFamily="2" charset="-128"/>
-                <a:cs typeface="Courier New" panose="02070309020205020404" pitchFamily="49" charset="0"/>
-              </a:rPr>
-              <a:t>--</a:t>
-            </a:r>
-            <a:r>
-              <a:rPr lang="en-US" sz="2500" b="1" dirty="0">
-                <a:solidFill>
-                  <a:srgbClr val="21925C"/>
-                </a:solidFill>
-                <a:latin typeface="Courier New" panose="02070309020205020404" pitchFamily="49" charset="0"/>
-                <a:ea typeface="Heiti SC Medium" pitchFamily="2" charset="-128"/>
-                <a:cs typeface="Courier New" panose="02070309020205020404" pitchFamily="49" charset="0"/>
-              </a:rPr>
-              <a:t>g</a:t>
+              <a:t>pan--g</a:t>
             </a:r>
             <a:r>
               <a:rPr lang="en-US" sz="2500" b="1" dirty="0">
@@ -3429,7 +3407,7 @@
                 <a:ea typeface="Heiti SC Medium" pitchFamily="2" charset="-128"/>
                 <a:cs typeface="Courier New" panose="02070309020205020404" pitchFamily="49" charset="0"/>
               </a:rPr>
-              <a:t>enome</a:t>
+              <a:t>enome:</a:t>
             </a:r>
           </a:p>
           <a:p>
@@ -3464,7 +3442,7 @@
                 <a:ea typeface="Heiti SC Medium" pitchFamily="2" charset="-128"/>
                 <a:cs typeface="Courier New" panose="02070309020205020404" pitchFamily="49" charset="0"/>
               </a:rPr>
-              <a:t>otations</a:t>
+              <a:t>otations,</a:t>
             </a:r>
             <a:endParaRPr lang="en-US" sz="2500" b="1" dirty="0">
               <a:solidFill>

--- a/examples/manual.pptx
+++ b/examples/manual.pptx
@@ -113,6 +113,11 @@
       </a:defRPr>
     </a:lvl9pPr>
   </p:defaultTextStyle>
+  <p:extLst>
+    <p:ext uri="{EFAFB233-063F-42B5-8137-9DF3F51BA10A}">
+      <p15:sldGuideLst xmlns:p15="http://schemas.microsoft.com/office/powerpoint/2012/main"/>
+    </p:ext>
+  </p:extLst>
 </p:presentation>
 </file>
 
@@ -122,6 +127,43 @@
     <p1510:client id="{A59AE15B-302D-4945-A85A-29F31014E6E4}" v="35" dt="2023-12-08T20:28:08.081"/>
   </p1510:revLst>
 </p1510:revInfo>
+</file>
+
+<file path=ppt/changesInfos/changesInfo1.xml><?xml version="1.0" encoding="utf-8"?>
+<pc:chgInfo xmlns:a="http://schemas.openxmlformats.org/drawingml/2006/main" xmlns:r="http://schemas.openxmlformats.org/officeDocument/2006/relationships" xmlns:ac="http://schemas.microsoft.com/office/drawing/2013/main/command" xmlns:pc="http://schemas.microsoft.com/office/powerpoint/2013/main/command">
+  <pc:docChgLst>
+    <pc:chgData name="Ann Igolkina" userId="4d1b5d7ddf2bbc78" providerId="LiveId" clId="{A59AE15B-302D-4945-A85A-29F31014E6E4}"/>
+    <pc:docChg chg="modSld">
+      <pc:chgData name="Ann Igolkina" userId="4d1b5d7ddf2bbc78" providerId="LiveId" clId="{A59AE15B-302D-4945-A85A-29F31014E6E4}" dt="2023-12-09T00:06:29.095" v="47" actId="1076"/>
+      <pc:docMkLst>
+        <pc:docMk/>
+      </pc:docMkLst>
+      <pc:sldChg chg="addSp modSp mod">
+        <pc:chgData name="Ann Igolkina" userId="4d1b5d7ddf2bbc78" providerId="LiveId" clId="{A59AE15B-302D-4945-A85A-29F31014E6E4}" dt="2023-12-09T00:06:29.095" v="47" actId="1076"/>
+        <pc:sldMkLst>
+          <pc:docMk/>
+          <pc:sldMk cId="2893864937" sldId="262"/>
+        </pc:sldMkLst>
+        <pc:spChg chg="mod">
+          <ac:chgData name="Ann Igolkina" userId="4d1b5d7ddf2bbc78" providerId="LiveId" clId="{A59AE15B-302D-4945-A85A-29F31014E6E4}" dt="2023-12-09T00:06:24.048" v="46" actId="20577"/>
+          <ac:spMkLst>
+            <pc:docMk/>
+            <pc:sldMk cId="2893864937" sldId="262"/>
+            <ac:spMk id="2" creationId="{0E958AFD-1494-ACBA-E740-C77F95FB48DF}"/>
+          </ac:spMkLst>
+        </pc:spChg>
+        <pc:spChg chg="add mod">
+          <ac:chgData name="Ann Igolkina" userId="4d1b5d7ddf2bbc78" providerId="LiveId" clId="{A59AE15B-302D-4945-A85A-29F31014E6E4}" dt="2023-12-09T00:06:29.095" v="47" actId="1076"/>
+          <ac:spMkLst>
+            <pc:docMk/>
+            <pc:sldMk cId="2893864937" sldId="262"/>
+            <ac:spMk id="4" creationId="{0202EA8F-6231-3D1C-2BF0-E45961F6A618}"/>
+          </ac:spMkLst>
+        </pc:spChg>
+      </pc:sldChg>
+    </pc:docChg>
+  </pc:docChgLst>
+</pc:chgInfo>
 </file>
 
 <file path=ppt/slideLayouts/slideLayout1.xml><?xml version="1.0" encoding="utf-8"?>
@@ -273,7 +315,7 @@
           <a:p>
             <a:fld id="{136AF1EC-10C8-B34A-9924-85144DD2C891}" type="datetimeFigureOut">
               <a:rPr lang="en-AT" smtClean="0"/>
-              <a:t>08.12.23</a:t>
+              <a:t>09.12.23</a:t>
             </a:fld>
             <a:endParaRPr lang="en-AT"/>
           </a:p>
@@ -473,7 +515,7 @@
           <a:p>
             <a:fld id="{136AF1EC-10C8-B34A-9924-85144DD2C891}" type="datetimeFigureOut">
               <a:rPr lang="en-AT" smtClean="0"/>
-              <a:t>08.12.23</a:t>
+              <a:t>09.12.23</a:t>
             </a:fld>
             <a:endParaRPr lang="en-AT"/>
           </a:p>
@@ -683,7 +725,7 @@
           <a:p>
             <a:fld id="{136AF1EC-10C8-B34A-9924-85144DD2C891}" type="datetimeFigureOut">
               <a:rPr lang="en-AT" smtClean="0"/>
-              <a:t>08.12.23</a:t>
+              <a:t>09.12.23</a:t>
             </a:fld>
             <a:endParaRPr lang="en-AT"/>
           </a:p>
@@ -883,7 +925,7 @@
           <a:p>
             <a:fld id="{136AF1EC-10C8-B34A-9924-85144DD2C891}" type="datetimeFigureOut">
               <a:rPr lang="en-AT" smtClean="0"/>
-              <a:t>08.12.23</a:t>
+              <a:t>09.12.23</a:t>
             </a:fld>
             <a:endParaRPr lang="en-AT"/>
           </a:p>
@@ -1159,7 +1201,7 @@
           <a:p>
             <a:fld id="{136AF1EC-10C8-B34A-9924-85144DD2C891}" type="datetimeFigureOut">
               <a:rPr lang="en-AT" smtClean="0"/>
-              <a:t>08.12.23</a:t>
+              <a:t>09.12.23</a:t>
             </a:fld>
             <a:endParaRPr lang="en-AT"/>
           </a:p>
@@ -1427,7 +1469,7 @@
           <a:p>
             <a:fld id="{136AF1EC-10C8-B34A-9924-85144DD2C891}" type="datetimeFigureOut">
               <a:rPr lang="en-AT" smtClean="0"/>
-              <a:t>08.12.23</a:t>
+              <a:t>09.12.23</a:t>
             </a:fld>
             <a:endParaRPr lang="en-AT"/>
           </a:p>
@@ -1842,7 +1884,7 @@
           <a:p>
             <a:fld id="{136AF1EC-10C8-B34A-9924-85144DD2C891}" type="datetimeFigureOut">
               <a:rPr lang="en-AT" smtClean="0"/>
-              <a:t>08.12.23</a:t>
+              <a:t>09.12.23</a:t>
             </a:fld>
             <a:endParaRPr lang="en-AT"/>
           </a:p>
@@ -1984,7 +2026,7 @@
           <a:p>
             <a:fld id="{136AF1EC-10C8-B34A-9924-85144DD2C891}" type="datetimeFigureOut">
               <a:rPr lang="en-AT" smtClean="0"/>
-              <a:t>08.12.23</a:t>
+              <a:t>09.12.23</a:t>
             </a:fld>
             <a:endParaRPr lang="en-AT"/>
           </a:p>
@@ -2097,7 +2139,7 @@
           <a:p>
             <a:fld id="{136AF1EC-10C8-B34A-9924-85144DD2C891}" type="datetimeFigureOut">
               <a:rPr lang="en-AT" smtClean="0"/>
-              <a:t>08.12.23</a:t>
+              <a:t>09.12.23</a:t>
             </a:fld>
             <a:endParaRPr lang="en-AT"/>
           </a:p>
@@ -2410,7 +2452,7 @@
           <a:p>
             <a:fld id="{136AF1EC-10C8-B34A-9924-85144DD2C891}" type="datetimeFigureOut">
               <a:rPr lang="en-AT" smtClean="0"/>
-              <a:t>08.12.23</a:t>
+              <a:t>09.12.23</a:t>
             </a:fld>
             <a:endParaRPr lang="en-AT"/>
           </a:p>
@@ -2699,7 +2741,7 @@
           <a:p>
             <a:fld id="{136AF1EC-10C8-B34A-9924-85144DD2C891}" type="datetimeFigureOut">
               <a:rPr lang="en-AT" smtClean="0"/>
-              <a:t>08.12.23</a:t>
+              <a:t>09.12.23</a:t>
             </a:fld>
             <a:endParaRPr lang="en-AT"/>
           </a:p>
@@ -2942,7 +2984,7 @@
           <a:p>
             <a:fld id="{136AF1EC-10C8-B34A-9924-85144DD2C891}" type="datetimeFigureOut">
               <a:rPr lang="en-AT" smtClean="0"/>
-              <a:t>08.12.23</a:t>
+              <a:t>09.12.23</a:t>
             </a:fld>
             <a:endParaRPr lang="en-AT"/>
           </a:p>
@@ -4366,7 +4408,605 @@
                 <a:ea typeface="Heiti SC Light" panose="02000000000000000000" pitchFamily="2" charset="-128"/>
                 <a:cs typeface="Rockwell Nova" panose="020F0502020204030204" pitchFamily="34" charset="0"/>
               </a:rPr>
-              <a:t>XXX</a:t>
+              <a:t>with a specific similarity threshold</a:t>
+            </a:r>
+          </a:p>
+        </p:txBody>
+      </p:sp>
+      <p:sp>
+        <p:nvSpPr>
+          <p:cNvPr id="4" name="TextBox 3">
+            <a:extLst>
+              <a:ext uri="{FF2B5EF4-FFF2-40B4-BE49-F238E27FC236}">
+                <a16:creationId xmlns:a16="http://schemas.microsoft.com/office/drawing/2014/main" id="{0202EA8F-6231-3D1C-2BF0-E45961F6A618}"/>
+              </a:ext>
+            </a:extLst>
+          </p:cNvPr>
+          <p:cNvSpPr txBox="1"/>
+          <p:nvPr/>
+        </p:nvSpPr>
+        <p:spPr>
+          <a:xfrm>
+            <a:off x="0" y="1382286"/>
+            <a:ext cx="12192000" cy="4093428"/>
+          </a:xfrm>
+          <a:prstGeom prst="rect">
+            <a:avLst/>
+          </a:prstGeom>
+          <a:noFill/>
+        </p:spPr>
+        <p:txBody>
+          <a:bodyPr wrap="square">
+            <a:spAutoFit/>
+          </a:bodyPr>
+          <a:lstStyle/>
+          <a:p>
+            <a:r>
+              <a:rPr lang="en-GB" sz="1000" dirty="0">
+                <a:effectLst/>
+                <a:latin typeface="Courier New" panose="02070309020205020404" pitchFamily="49" charset="0"/>
+                <a:cs typeface="Courier New" panose="02070309020205020404" pitchFamily="49" charset="0"/>
+              </a:rPr>
+              <a:t>./</a:t>
+            </a:r>
+            <a:r>
+              <a:rPr lang="en-GB" sz="1000" dirty="0" err="1">
+                <a:effectLst/>
+                <a:latin typeface="Courier New" panose="02070309020205020404" pitchFamily="49" charset="0"/>
+                <a:cs typeface="Courier New" panose="02070309020205020404" pitchFamily="49" charset="0"/>
+              </a:rPr>
+              <a:t>sim_search.sh</a:t>
+            </a:r>
+            <a:r>
+              <a:rPr lang="en-GB" sz="1000" dirty="0">
+                <a:effectLst/>
+                <a:latin typeface="Courier New" panose="02070309020205020404" pitchFamily="49" charset="0"/>
+                <a:cs typeface="Courier New" panose="02070309020205020404" pitchFamily="49" charset="0"/>
+              </a:rPr>
+              <a:t> -h</a:t>
+            </a:r>
+          </a:p>
+          <a:p>
+            <a:r>
+              <a:rPr lang="en-GB" sz="1000" dirty="0">
+                <a:effectLst/>
+                <a:latin typeface="Courier New" panose="02070309020205020404" pitchFamily="49" charset="0"/>
+                <a:cs typeface="Courier New" panose="02070309020205020404" pitchFamily="49" charset="0"/>
+              </a:rPr>
+              <a:t>Usage: </a:t>
+            </a:r>
+            <a:r>
+              <a:rPr lang="en-GB" sz="1000" dirty="0" err="1">
+                <a:effectLst/>
+                <a:latin typeface="Courier New" panose="02070309020205020404" pitchFamily="49" charset="0"/>
+                <a:cs typeface="Courier New" panose="02070309020205020404" pitchFamily="49" charset="0"/>
+              </a:rPr>
+              <a:t>sim_search.sh</a:t>
+            </a:r>
+            <a:r>
+              <a:rPr lang="en-GB" sz="1000" dirty="0">
+                <a:effectLst/>
+                <a:latin typeface="Courier New" panose="02070309020205020404" pitchFamily="49" charset="0"/>
+                <a:cs typeface="Courier New" panose="02070309020205020404" pitchFamily="49" charset="0"/>
+              </a:rPr>
+              <a:t> [-h] [-in FASTA_FILE] [-genome GENOME_FILE] [-out OUTPUT_FILE] [-sim SIMILARITY_THRESHOLD] [-</a:t>
+            </a:r>
+            <a:r>
+              <a:rPr lang="en-GB" sz="1000" dirty="0" err="1">
+                <a:effectLst/>
+                <a:latin typeface="Courier New" panose="02070309020205020404" pitchFamily="49" charset="0"/>
+                <a:cs typeface="Courier New" panose="02070309020205020404" pitchFamily="49" charset="0"/>
+              </a:rPr>
+              <a:t>afterblast</a:t>
+            </a:r>
+            <a:r>
+              <a:rPr lang="en-GB" sz="1000" dirty="0">
+                <a:effectLst/>
+                <a:latin typeface="Courier New" panose="02070309020205020404" pitchFamily="49" charset="0"/>
+                <a:cs typeface="Courier New" panose="02070309020205020404" pitchFamily="49" charset="0"/>
+              </a:rPr>
+              <a:t>] [-</a:t>
+            </a:r>
+            <a:r>
+              <a:rPr lang="en-GB" sz="1000" dirty="0" err="1">
+                <a:effectLst/>
+                <a:latin typeface="Courier New" panose="02070309020205020404" pitchFamily="49" charset="0"/>
+                <a:cs typeface="Courier New" panose="02070309020205020404" pitchFamily="49" charset="0"/>
+              </a:rPr>
+              <a:t>keepblast</a:t>
+            </a:r>
+            <a:r>
+              <a:rPr lang="en-GB" sz="1000" dirty="0">
+                <a:effectLst/>
+                <a:latin typeface="Courier New" panose="02070309020205020404" pitchFamily="49" charset="0"/>
+                <a:cs typeface="Courier New" panose="02070309020205020404" pitchFamily="49" charset="0"/>
+              </a:rPr>
+              <a:t>]</a:t>
+            </a:r>
+          </a:p>
+          <a:p>
+            <a:br>
+              <a:rPr lang="en-GB" sz="1000" dirty="0">
+                <a:effectLst/>
+                <a:latin typeface="Courier New" panose="02070309020205020404" pitchFamily="49" charset="0"/>
+                <a:cs typeface="Courier New" panose="02070309020205020404" pitchFamily="49" charset="0"/>
+              </a:rPr>
+            </a:br>
+            <a:endParaRPr lang="en-GB" sz="1000" dirty="0">
+              <a:effectLst/>
+              <a:latin typeface="Courier New" panose="02070309020205020404" pitchFamily="49" charset="0"/>
+              <a:cs typeface="Courier New" panose="02070309020205020404" pitchFamily="49" charset="0"/>
+            </a:endParaRPr>
+          </a:p>
+          <a:p>
+            <a:r>
+              <a:rPr lang="en-GB" sz="1000" dirty="0">
+                <a:effectLst/>
+                <a:latin typeface="Courier New" panose="02070309020205020404" pitchFamily="49" charset="0"/>
+                <a:cs typeface="Courier New" panose="02070309020205020404" pitchFamily="49" charset="0"/>
+              </a:rPr>
+              <a:t>This script performs a BLAST search on a given FASTA file against a specified genome and processes the results based on similarity thresholds.</a:t>
+            </a:r>
+          </a:p>
+          <a:p>
+            <a:br>
+              <a:rPr lang="en-GB" sz="1000" dirty="0">
+                <a:effectLst/>
+                <a:latin typeface="Courier New" panose="02070309020205020404" pitchFamily="49" charset="0"/>
+                <a:cs typeface="Courier New" panose="02070309020205020404" pitchFamily="49" charset="0"/>
+              </a:rPr>
+            </a:br>
+            <a:endParaRPr lang="en-GB" sz="1000" dirty="0">
+              <a:effectLst/>
+              <a:latin typeface="Courier New" panose="02070309020205020404" pitchFamily="49" charset="0"/>
+              <a:cs typeface="Courier New" panose="02070309020205020404" pitchFamily="49" charset="0"/>
+            </a:endParaRPr>
+          </a:p>
+          <a:p>
+            <a:r>
+              <a:rPr lang="en-GB" sz="1000" dirty="0">
+                <a:effectLst/>
+                <a:latin typeface="Courier New" panose="02070309020205020404" pitchFamily="49" charset="0"/>
+                <a:cs typeface="Courier New" panose="02070309020205020404" pitchFamily="49" charset="0"/>
+              </a:rPr>
+              <a:t>    -h, --help              Display this help and exit.</a:t>
+            </a:r>
+          </a:p>
+          <a:p>
+            <a:r>
+              <a:rPr lang="en-GB" sz="1000" dirty="0">
+                <a:effectLst/>
+                <a:latin typeface="Courier New" panose="02070309020205020404" pitchFamily="49" charset="0"/>
+                <a:cs typeface="Courier New" panose="02070309020205020404" pitchFamily="49" charset="0"/>
+              </a:rPr>
+              <a:t>    -in FASTA_FILE          Specify the input FASTA file.</a:t>
+            </a:r>
+          </a:p>
+          <a:p>
+            <a:r>
+              <a:rPr lang="en-GB" sz="1000" dirty="0">
+                <a:effectLst/>
+                <a:latin typeface="Courier New" panose="02070309020205020404" pitchFamily="49" charset="0"/>
+                <a:cs typeface="Courier New" panose="02070309020205020404" pitchFamily="49" charset="0"/>
+              </a:rPr>
+              <a:t>    -out OUTPUT_FILE        Specify the output file for results.</a:t>
+            </a:r>
+          </a:p>
+          <a:p>
+            <a:r>
+              <a:rPr lang="en-GB" sz="1000" dirty="0">
+                <a:effectLst/>
+                <a:latin typeface="Courier New" panose="02070309020205020404" pitchFamily="49" charset="0"/>
+                <a:cs typeface="Courier New" panose="02070309020205020404" pitchFamily="49" charset="0"/>
+              </a:rPr>
+              <a:t>    -genome GENOME_FILE     Specify the genome file to create BLAST database.    </a:t>
+            </a:r>
+          </a:p>
+          <a:p>
+            <a:r>
+              <a:rPr lang="en-GB" sz="1000" dirty="0">
+                <a:effectLst/>
+                <a:latin typeface="Courier New" panose="02070309020205020404" pitchFamily="49" charset="0"/>
+                <a:cs typeface="Courier New" panose="02070309020205020404" pitchFamily="49" charset="0"/>
+              </a:rPr>
+              <a:t>    -sim SIMILARITY_THRESHOLD </a:t>
+            </a:r>
+          </a:p>
+          <a:p>
+            <a:r>
+              <a:rPr lang="en-GB" sz="1000" dirty="0">
+                <a:effectLst/>
+                <a:latin typeface="Courier New" panose="02070309020205020404" pitchFamily="49" charset="0"/>
+                <a:cs typeface="Courier New" panose="02070309020205020404" pitchFamily="49" charset="0"/>
+              </a:rPr>
+              <a:t>                            Set the similarity threshold for BLAST (default: 85).</a:t>
+            </a:r>
+          </a:p>
+          <a:p>
+            <a:r>
+              <a:rPr lang="en-GB" sz="1000" dirty="0">
+                <a:effectLst/>
+                <a:latin typeface="Courier New" panose="02070309020205020404" pitchFamily="49" charset="0"/>
+                <a:cs typeface="Courier New" panose="02070309020205020404" pitchFamily="49" charset="0"/>
+              </a:rPr>
+              <a:t>    -</a:t>
+            </a:r>
+            <a:r>
+              <a:rPr lang="en-GB" sz="1000" dirty="0" err="1">
+                <a:effectLst/>
+                <a:latin typeface="Courier New" panose="02070309020205020404" pitchFamily="49" charset="0"/>
+                <a:cs typeface="Courier New" panose="02070309020205020404" pitchFamily="49" charset="0"/>
+              </a:rPr>
+              <a:t>afterblast</a:t>
+            </a:r>
+            <a:r>
+              <a:rPr lang="en-GB" sz="1000" dirty="0">
+                <a:effectLst/>
+                <a:latin typeface="Courier New" panose="02070309020205020404" pitchFamily="49" charset="0"/>
+                <a:cs typeface="Courier New" panose="02070309020205020404" pitchFamily="49" charset="0"/>
+              </a:rPr>
+              <a:t>             Use this flag to process existing BLAST results.</a:t>
+            </a:r>
+          </a:p>
+          <a:p>
+            <a:r>
+              <a:rPr lang="en-GB" sz="1000" dirty="0">
+                <a:effectLst/>
+                <a:latin typeface="Courier New" panose="02070309020205020404" pitchFamily="49" charset="0"/>
+                <a:cs typeface="Courier New" panose="02070309020205020404" pitchFamily="49" charset="0"/>
+              </a:rPr>
+              <a:t>    -</a:t>
+            </a:r>
+            <a:r>
+              <a:rPr lang="en-GB" sz="1000" dirty="0" err="1">
+                <a:effectLst/>
+                <a:latin typeface="Courier New" panose="02070309020205020404" pitchFamily="49" charset="0"/>
+                <a:cs typeface="Courier New" panose="02070309020205020404" pitchFamily="49" charset="0"/>
+              </a:rPr>
+              <a:t>keepblast</a:t>
+            </a:r>
+            <a:r>
+              <a:rPr lang="en-GB" sz="1000" dirty="0">
+                <a:effectLst/>
+                <a:latin typeface="Courier New" panose="02070309020205020404" pitchFamily="49" charset="0"/>
+                <a:cs typeface="Courier New" panose="02070309020205020404" pitchFamily="49" charset="0"/>
+              </a:rPr>
+              <a:t>              Use this flag to keep the BLAST temporary files.</a:t>
+            </a:r>
+          </a:p>
+          <a:p>
+            <a:br>
+              <a:rPr lang="en-GB" sz="1000" dirty="0">
+                <a:effectLst/>
+                <a:latin typeface="Courier New" panose="02070309020205020404" pitchFamily="49" charset="0"/>
+                <a:cs typeface="Courier New" panose="02070309020205020404" pitchFamily="49" charset="0"/>
+              </a:rPr>
+            </a:br>
+            <a:endParaRPr lang="en-GB" sz="1000" dirty="0">
+              <a:effectLst/>
+              <a:latin typeface="Courier New" panose="02070309020205020404" pitchFamily="49" charset="0"/>
+              <a:cs typeface="Courier New" panose="02070309020205020404" pitchFamily="49" charset="0"/>
+            </a:endParaRPr>
+          </a:p>
+          <a:p>
+            <a:r>
+              <a:rPr lang="en-GB" sz="1000" dirty="0">
+                <a:effectLst/>
+                <a:latin typeface="Courier New" panose="02070309020205020404" pitchFamily="49" charset="0"/>
+                <a:cs typeface="Courier New" panose="02070309020205020404" pitchFamily="49" charset="0"/>
+              </a:rPr>
+              <a:t>Examples:</a:t>
+            </a:r>
+          </a:p>
+          <a:p>
+            <a:r>
+              <a:rPr lang="en-GB" sz="1000" dirty="0">
+                <a:effectLst/>
+                <a:latin typeface="Courier New" panose="02070309020205020404" pitchFamily="49" charset="0"/>
+                <a:cs typeface="Courier New" panose="02070309020205020404" pitchFamily="49" charset="0"/>
+              </a:rPr>
+              <a:t>    </a:t>
+            </a:r>
+            <a:r>
+              <a:rPr lang="en-GB" sz="1000" dirty="0" err="1">
+                <a:effectLst/>
+                <a:latin typeface="Courier New" panose="02070309020205020404" pitchFamily="49" charset="0"/>
+                <a:cs typeface="Courier New" panose="02070309020205020404" pitchFamily="49" charset="0"/>
+              </a:rPr>
+              <a:t>sim_search.sh</a:t>
+            </a:r>
+            <a:r>
+              <a:rPr lang="en-GB" sz="1000" dirty="0">
+                <a:effectLst/>
+                <a:latin typeface="Courier New" panose="02070309020205020404" pitchFamily="49" charset="0"/>
+                <a:cs typeface="Courier New" panose="02070309020205020404" pitchFamily="49" charset="0"/>
+              </a:rPr>
+              <a:t> -in </a:t>
+            </a:r>
+            <a:r>
+              <a:rPr lang="en-GB" sz="1000" dirty="0" err="1">
+                <a:effectLst/>
+                <a:latin typeface="Courier New" panose="02070309020205020404" pitchFamily="49" charset="0"/>
+                <a:cs typeface="Courier New" panose="02070309020205020404" pitchFamily="49" charset="0"/>
+              </a:rPr>
+              <a:t>input.fasta</a:t>
+            </a:r>
+            <a:r>
+              <a:rPr lang="en-GB" sz="1000" dirty="0">
+                <a:effectLst/>
+                <a:latin typeface="Courier New" panose="02070309020205020404" pitchFamily="49" charset="0"/>
+                <a:cs typeface="Courier New" panose="02070309020205020404" pitchFamily="49" charset="0"/>
+              </a:rPr>
+              <a:t> -genome </a:t>
+            </a:r>
+            <a:r>
+              <a:rPr lang="en-GB" sz="1000" dirty="0" err="1">
+                <a:effectLst/>
+                <a:latin typeface="Courier New" panose="02070309020205020404" pitchFamily="49" charset="0"/>
+                <a:cs typeface="Courier New" panose="02070309020205020404" pitchFamily="49" charset="0"/>
+              </a:rPr>
+              <a:t>genome.fasta</a:t>
+            </a:r>
+            <a:r>
+              <a:rPr lang="en-GB" sz="1000" dirty="0">
+                <a:effectLst/>
+                <a:latin typeface="Courier New" panose="02070309020205020404" pitchFamily="49" charset="0"/>
+                <a:cs typeface="Courier New" panose="02070309020205020404" pitchFamily="49" charset="0"/>
+              </a:rPr>
+              <a:t> -out out_85.txt</a:t>
+            </a:r>
+          </a:p>
+          <a:p>
+            <a:br>
+              <a:rPr lang="en-GB" sz="1000" dirty="0">
+                <a:effectLst/>
+                <a:latin typeface="Courier New" panose="02070309020205020404" pitchFamily="49" charset="0"/>
+                <a:cs typeface="Courier New" panose="02070309020205020404" pitchFamily="49" charset="0"/>
+              </a:rPr>
+            </a:br>
+            <a:endParaRPr lang="en-GB" sz="1000" dirty="0">
+              <a:effectLst/>
+              <a:latin typeface="Courier New" panose="02070309020205020404" pitchFamily="49" charset="0"/>
+              <a:cs typeface="Courier New" panose="02070309020205020404" pitchFamily="49" charset="0"/>
+            </a:endParaRPr>
+          </a:p>
+          <a:p>
+            <a:r>
+              <a:rPr lang="en-GB" sz="1000" dirty="0">
+                <a:effectLst/>
+                <a:latin typeface="Courier New" panose="02070309020205020404" pitchFamily="49" charset="0"/>
+                <a:cs typeface="Courier New" panose="02070309020205020404" pitchFamily="49" charset="0"/>
+              </a:rPr>
+              <a:t>    </a:t>
+            </a:r>
+            <a:r>
+              <a:rPr lang="en-GB" sz="1000" dirty="0" err="1">
+                <a:effectLst/>
+                <a:latin typeface="Courier New" panose="02070309020205020404" pitchFamily="49" charset="0"/>
+                <a:cs typeface="Courier New" panose="02070309020205020404" pitchFamily="49" charset="0"/>
+              </a:rPr>
+              <a:t>sim_search.sh</a:t>
+            </a:r>
+            <a:r>
+              <a:rPr lang="en-GB" sz="1000" dirty="0">
+                <a:effectLst/>
+                <a:latin typeface="Courier New" panose="02070309020205020404" pitchFamily="49" charset="0"/>
+                <a:cs typeface="Courier New" panose="02070309020205020404" pitchFamily="49" charset="0"/>
+              </a:rPr>
+              <a:t> -in </a:t>
+            </a:r>
+            <a:r>
+              <a:rPr lang="en-GB" sz="1000" dirty="0" err="1">
+                <a:effectLst/>
+                <a:latin typeface="Courier New" panose="02070309020205020404" pitchFamily="49" charset="0"/>
+                <a:cs typeface="Courier New" panose="02070309020205020404" pitchFamily="49" charset="0"/>
+              </a:rPr>
+              <a:t>input.fasta</a:t>
+            </a:r>
+            <a:r>
+              <a:rPr lang="en-GB" sz="1000" dirty="0">
+                <a:effectLst/>
+                <a:latin typeface="Courier New" panose="02070309020205020404" pitchFamily="49" charset="0"/>
+                <a:cs typeface="Courier New" panose="02070309020205020404" pitchFamily="49" charset="0"/>
+              </a:rPr>
+              <a:t> -genome </a:t>
+            </a:r>
+            <a:r>
+              <a:rPr lang="en-GB" sz="1000" dirty="0" err="1">
+                <a:effectLst/>
+                <a:latin typeface="Courier New" panose="02070309020205020404" pitchFamily="49" charset="0"/>
+                <a:cs typeface="Courier New" panose="02070309020205020404" pitchFamily="49" charset="0"/>
+              </a:rPr>
+              <a:t>genome.fasta</a:t>
+            </a:r>
+            <a:r>
+              <a:rPr lang="en-GB" sz="1000" dirty="0">
+                <a:effectLst/>
+                <a:latin typeface="Courier New" panose="02070309020205020404" pitchFamily="49" charset="0"/>
+                <a:cs typeface="Courier New" panose="02070309020205020404" pitchFamily="49" charset="0"/>
+              </a:rPr>
+              <a:t> -out </a:t>
+            </a:r>
+            <a:r>
+              <a:rPr lang="en-GB" sz="1000" dirty="0" err="1">
+                <a:effectLst/>
+                <a:latin typeface="Courier New" panose="02070309020205020404" pitchFamily="49" charset="0"/>
+                <a:cs typeface="Courier New" panose="02070309020205020404" pitchFamily="49" charset="0"/>
+              </a:rPr>
+              <a:t>out.txt</a:t>
+            </a:r>
+            <a:r>
+              <a:rPr lang="en-GB" sz="1000" dirty="0">
+                <a:effectLst/>
+                <a:latin typeface="Courier New" panose="02070309020205020404" pitchFamily="49" charset="0"/>
+                <a:cs typeface="Courier New" panose="02070309020205020404" pitchFamily="49" charset="0"/>
+              </a:rPr>
+              <a:t> -sim 90 -</a:t>
+            </a:r>
+            <a:r>
+              <a:rPr lang="en-GB" sz="1000" dirty="0" err="1">
+                <a:effectLst/>
+                <a:latin typeface="Courier New" panose="02070309020205020404" pitchFamily="49" charset="0"/>
+                <a:cs typeface="Courier New" panose="02070309020205020404" pitchFamily="49" charset="0"/>
+              </a:rPr>
+              <a:t>keepblast</a:t>
+            </a:r>
+            <a:endParaRPr lang="en-GB" sz="1000" dirty="0">
+              <a:effectLst/>
+              <a:latin typeface="Courier New" panose="02070309020205020404" pitchFamily="49" charset="0"/>
+              <a:cs typeface="Courier New" panose="02070309020205020404" pitchFamily="49" charset="0"/>
+            </a:endParaRPr>
+          </a:p>
+          <a:p>
+            <a:r>
+              <a:rPr lang="en-GB" sz="1000" dirty="0">
+                <a:effectLst/>
+                <a:latin typeface="Courier New" panose="02070309020205020404" pitchFamily="49" charset="0"/>
+                <a:cs typeface="Courier New" panose="02070309020205020404" pitchFamily="49" charset="0"/>
+              </a:rPr>
+              <a:t>    mv </a:t>
+            </a:r>
+            <a:r>
+              <a:rPr lang="en-GB" sz="1000" dirty="0" err="1">
+                <a:effectLst/>
+                <a:latin typeface="Courier New" panose="02070309020205020404" pitchFamily="49" charset="0"/>
+                <a:cs typeface="Courier New" panose="02070309020205020404" pitchFamily="49" charset="0"/>
+              </a:rPr>
+              <a:t>out.txt</a:t>
+            </a:r>
+            <a:r>
+              <a:rPr lang="en-GB" sz="1000" dirty="0">
+                <a:effectLst/>
+                <a:latin typeface="Courier New" panose="02070309020205020404" pitchFamily="49" charset="0"/>
+                <a:cs typeface="Courier New" panose="02070309020205020404" pitchFamily="49" charset="0"/>
+              </a:rPr>
+              <a:t> out_90.txt</a:t>
+            </a:r>
+          </a:p>
+          <a:p>
+            <a:r>
+              <a:rPr lang="en-GB" sz="1000" dirty="0">
+                <a:effectLst/>
+                <a:latin typeface="Courier New" panose="02070309020205020404" pitchFamily="49" charset="0"/>
+                <a:cs typeface="Courier New" panose="02070309020205020404" pitchFamily="49" charset="0"/>
+              </a:rPr>
+              <a:t>    </a:t>
+            </a:r>
+          </a:p>
+          <a:p>
+            <a:r>
+              <a:rPr lang="en-GB" sz="1000" dirty="0">
+                <a:effectLst/>
+                <a:latin typeface="Courier New" panose="02070309020205020404" pitchFamily="49" charset="0"/>
+                <a:cs typeface="Courier New" panose="02070309020205020404" pitchFamily="49" charset="0"/>
+              </a:rPr>
+              <a:t>    </a:t>
+            </a:r>
+            <a:r>
+              <a:rPr lang="en-GB" sz="1000" dirty="0" err="1">
+                <a:effectLst/>
+                <a:latin typeface="Courier New" panose="02070309020205020404" pitchFamily="49" charset="0"/>
+                <a:cs typeface="Courier New" panose="02070309020205020404" pitchFamily="49" charset="0"/>
+              </a:rPr>
+              <a:t>sim_search.sh</a:t>
+            </a:r>
+            <a:r>
+              <a:rPr lang="en-GB" sz="1000" dirty="0">
+                <a:effectLst/>
+                <a:latin typeface="Courier New" panose="02070309020205020404" pitchFamily="49" charset="0"/>
+                <a:cs typeface="Courier New" panose="02070309020205020404" pitchFamily="49" charset="0"/>
+              </a:rPr>
+              <a:t> -in </a:t>
+            </a:r>
+            <a:r>
+              <a:rPr lang="en-GB" sz="1000" dirty="0" err="1">
+                <a:effectLst/>
+                <a:latin typeface="Courier New" panose="02070309020205020404" pitchFamily="49" charset="0"/>
+                <a:cs typeface="Courier New" panose="02070309020205020404" pitchFamily="49" charset="0"/>
+              </a:rPr>
+              <a:t>input.fasta</a:t>
+            </a:r>
+            <a:r>
+              <a:rPr lang="en-GB" sz="1000" dirty="0">
+                <a:effectLst/>
+                <a:latin typeface="Courier New" panose="02070309020205020404" pitchFamily="49" charset="0"/>
+                <a:cs typeface="Courier New" panose="02070309020205020404" pitchFamily="49" charset="0"/>
+              </a:rPr>
+              <a:t> -genome </a:t>
+            </a:r>
+            <a:r>
+              <a:rPr lang="en-GB" sz="1000" dirty="0" err="1">
+                <a:effectLst/>
+                <a:latin typeface="Courier New" panose="02070309020205020404" pitchFamily="49" charset="0"/>
+                <a:cs typeface="Courier New" panose="02070309020205020404" pitchFamily="49" charset="0"/>
+              </a:rPr>
+              <a:t>genome.fasta</a:t>
+            </a:r>
+            <a:r>
+              <a:rPr lang="en-GB" sz="1000" dirty="0">
+                <a:effectLst/>
+                <a:latin typeface="Courier New" panose="02070309020205020404" pitchFamily="49" charset="0"/>
+                <a:cs typeface="Courier New" panose="02070309020205020404" pitchFamily="49" charset="0"/>
+              </a:rPr>
+              <a:t> -out </a:t>
+            </a:r>
+            <a:r>
+              <a:rPr lang="en-GB" sz="1000" dirty="0" err="1">
+                <a:effectLst/>
+                <a:latin typeface="Courier New" panose="02070309020205020404" pitchFamily="49" charset="0"/>
+                <a:cs typeface="Courier New" panose="02070309020205020404" pitchFamily="49" charset="0"/>
+              </a:rPr>
+              <a:t>out.txt</a:t>
+            </a:r>
+            <a:r>
+              <a:rPr lang="en-GB" sz="1000" dirty="0">
+                <a:effectLst/>
+                <a:latin typeface="Courier New" panose="02070309020205020404" pitchFamily="49" charset="0"/>
+                <a:cs typeface="Courier New" panose="02070309020205020404" pitchFamily="49" charset="0"/>
+              </a:rPr>
+              <a:t> -sim 95 -</a:t>
+            </a:r>
+            <a:r>
+              <a:rPr lang="en-GB" sz="1000" dirty="0" err="1">
+                <a:effectLst/>
+                <a:latin typeface="Courier New" panose="02070309020205020404" pitchFamily="49" charset="0"/>
+                <a:cs typeface="Courier New" panose="02070309020205020404" pitchFamily="49" charset="0"/>
+              </a:rPr>
+              <a:t>afterblast</a:t>
+            </a:r>
+            <a:r>
+              <a:rPr lang="en-GB" sz="1000" dirty="0">
+                <a:effectLst/>
+                <a:latin typeface="Courier New" panose="02070309020205020404" pitchFamily="49" charset="0"/>
+                <a:cs typeface="Courier New" panose="02070309020205020404" pitchFamily="49" charset="0"/>
+              </a:rPr>
+              <a:t> </a:t>
+            </a:r>
+          </a:p>
+          <a:p>
+            <a:r>
+              <a:rPr lang="en-GB" sz="1000" dirty="0">
+                <a:effectLst/>
+                <a:latin typeface="Courier New" panose="02070309020205020404" pitchFamily="49" charset="0"/>
+                <a:cs typeface="Courier New" panose="02070309020205020404" pitchFamily="49" charset="0"/>
+              </a:rPr>
+              <a:t>    mv </a:t>
+            </a:r>
+            <a:r>
+              <a:rPr lang="en-GB" sz="1000" dirty="0" err="1">
+                <a:effectLst/>
+                <a:latin typeface="Courier New" panose="02070309020205020404" pitchFamily="49" charset="0"/>
+                <a:cs typeface="Courier New" panose="02070309020205020404" pitchFamily="49" charset="0"/>
+              </a:rPr>
+              <a:t>out.txt</a:t>
+            </a:r>
+            <a:r>
+              <a:rPr lang="en-GB" sz="1000" dirty="0">
+                <a:effectLst/>
+                <a:latin typeface="Courier New" panose="02070309020205020404" pitchFamily="49" charset="0"/>
+                <a:cs typeface="Courier New" panose="02070309020205020404" pitchFamily="49" charset="0"/>
+              </a:rPr>
+              <a:t> out_95.txt</a:t>
             </a:r>
           </a:p>
         </p:txBody>
